--- a/Practica6/Images.pptx
+++ b/Practica6/Images.pptx
@@ -105,6 +105,11 @@
       </a:defRPr>
     </a:lvl9pPr>
   </p:defaultTextStyle>
+  <p:extLst>
+    <p:ext uri="{EFAFB233-063F-42B5-8137-9DF3F51BA10A}">
+      <p15:sldGuideLst xmlns:p15="http://schemas.microsoft.com/office/powerpoint/2012/main"/>
+    </p:ext>
+  </p:extLst>
 </p:presentation>
 </file>
 
@@ -257,7 +262,7 @@
           <a:p>
             <a:fld id="{B00EA979-0D74-41BA-9337-69DE94B04A06}" type="datetimeFigureOut">
               <a:rPr lang="es-MX" smtClean="0"/>
-              <a:t>18/11/2018</a:t>
+              <a:t>19/11/2018</a:t>
             </a:fld>
             <a:endParaRPr lang="es-MX"/>
           </a:p>
@@ -457,7 +462,7 @@
           <a:p>
             <a:fld id="{B00EA979-0D74-41BA-9337-69DE94B04A06}" type="datetimeFigureOut">
               <a:rPr lang="es-MX" smtClean="0"/>
-              <a:t>18/11/2018</a:t>
+              <a:t>19/11/2018</a:t>
             </a:fld>
             <a:endParaRPr lang="es-MX"/>
           </a:p>
@@ -667,7 +672,7 @@
           <a:p>
             <a:fld id="{B00EA979-0D74-41BA-9337-69DE94B04A06}" type="datetimeFigureOut">
               <a:rPr lang="es-MX" smtClean="0"/>
-              <a:t>18/11/2018</a:t>
+              <a:t>19/11/2018</a:t>
             </a:fld>
             <a:endParaRPr lang="es-MX"/>
           </a:p>
@@ -867,7 +872,7 @@
           <a:p>
             <a:fld id="{B00EA979-0D74-41BA-9337-69DE94B04A06}" type="datetimeFigureOut">
               <a:rPr lang="es-MX" smtClean="0"/>
-              <a:t>18/11/2018</a:t>
+              <a:t>19/11/2018</a:t>
             </a:fld>
             <a:endParaRPr lang="es-MX"/>
           </a:p>
@@ -1143,7 +1148,7 @@
           <a:p>
             <a:fld id="{B00EA979-0D74-41BA-9337-69DE94B04A06}" type="datetimeFigureOut">
               <a:rPr lang="es-MX" smtClean="0"/>
-              <a:t>18/11/2018</a:t>
+              <a:t>19/11/2018</a:t>
             </a:fld>
             <a:endParaRPr lang="es-MX"/>
           </a:p>
@@ -1411,7 +1416,7 @@
           <a:p>
             <a:fld id="{B00EA979-0D74-41BA-9337-69DE94B04A06}" type="datetimeFigureOut">
               <a:rPr lang="es-MX" smtClean="0"/>
-              <a:t>18/11/2018</a:t>
+              <a:t>19/11/2018</a:t>
             </a:fld>
             <a:endParaRPr lang="es-MX"/>
           </a:p>
@@ -1826,7 +1831,7 @@
           <a:p>
             <a:fld id="{B00EA979-0D74-41BA-9337-69DE94B04A06}" type="datetimeFigureOut">
               <a:rPr lang="es-MX" smtClean="0"/>
-              <a:t>18/11/2018</a:t>
+              <a:t>19/11/2018</a:t>
             </a:fld>
             <a:endParaRPr lang="es-MX"/>
           </a:p>
@@ -1968,7 +1973,7 @@
           <a:p>
             <a:fld id="{B00EA979-0D74-41BA-9337-69DE94B04A06}" type="datetimeFigureOut">
               <a:rPr lang="es-MX" smtClean="0"/>
-              <a:t>18/11/2018</a:t>
+              <a:t>19/11/2018</a:t>
             </a:fld>
             <a:endParaRPr lang="es-MX"/>
           </a:p>
@@ -2081,7 +2086,7 @@
           <a:p>
             <a:fld id="{B00EA979-0D74-41BA-9337-69DE94B04A06}" type="datetimeFigureOut">
               <a:rPr lang="es-MX" smtClean="0"/>
-              <a:t>18/11/2018</a:t>
+              <a:t>19/11/2018</a:t>
             </a:fld>
             <a:endParaRPr lang="es-MX"/>
           </a:p>
@@ -2394,7 +2399,7 @@
           <a:p>
             <a:fld id="{B00EA979-0D74-41BA-9337-69DE94B04A06}" type="datetimeFigureOut">
               <a:rPr lang="es-MX" smtClean="0"/>
-              <a:t>18/11/2018</a:t>
+              <a:t>19/11/2018</a:t>
             </a:fld>
             <a:endParaRPr lang="es-MX"/>
           </a:p>
@@ -2683,7 +2688,7 @@
           <a:p>
             <a:fld id="{B00EA979-0D74-41BA-9337-69DE94B04A06}" type="datetimeFigureOut">
               <a:rPr lang="es-MX" smtClean="0"/>
-              <a:t>18/11/2018</a:t>
+              <a:t>19/11/2018</a:t>
             </a:fld>
             <a:endParaRPr lang="es-MX"/>
           </a:p>
@@ -2926,7 +2931,7 @@
           <a:p>
             <a:fld id="{B00EA979-0D74-41BA-9337-69DE94B04A06}" type="datetimeFigureOut">
               <a:rPr lang="es-MX" smtClean="0"/>
-              <a:t>18/11/2018</a:t>
+              <a:t>19/11/2018</a:t>
             </a:fld>
             <a:endParaRPr lang="es-MX"/>
           </a:p>

--- a/Practica6/Images.pptx
+++ b/Practica6/Images.pptx
@@ -7,6 +7,7 @@
   <p:sldIdLst>
     <p:sldId id="256" r:id="rId2"/>
     <p:sldId id="257" r:id="rId3"/>
+    <p:sldId id="258" r:id="rId4"/>
   </p:sldIdLst>
   <p:sldSz cx="12192000" cy="6858000"/>
   <p:notesSz cx="6858000" cy="9144000"/>
@@ -262,7 +263,7 @@
           <a:p>
             <a:fld id="{B00EA979-0D74-41BA-9337-69DE94B04A06}" type="datetimeFigureOut">
               <a:rPr lang="es-MX" smtClean="0"/>
-              <a:t>19/11/2018</a:t>
+              <a:t>25/11/2018</a:t>
             </a:fld>
             <a:endParaRPr lang="es-MX"/>
           </a:p>
@@ -462,7 +463,7 @@
           <a:p>
             <a:fld id="{B00EA979-0D74-41BA-9337-69DE94B04A06}" type="datetimeFigureOut">
               <a:rPr lang="es-MX" smtClean="0"/>
-              <a:t>19/11/2018</a:t>
+              <a:t>25/11/2018</a:t>
             </a:fld>
             <a:endParaRPr lang="es-MX"/>
           </a:p>
@@ -672,7 +673,7 @@
           <a:p>
             <a:fld id="{B00EA979-0D74-41BA-9337-69DE94B04A06}" type="datetimeFigureOut">
               <a:rPr lang="es-MX" smtClean="0"/>
-              <a:t>19/11/2018</a:t>
+              <a:t>25/11/2018</a:t>
             </a:fld>
             <a:endParaRPr lang="es-MX"/>
           </a:p>
@@ -872,7 +873,7 @@
           <a:p>
             <a:fld id="{B00EA979-0D74-41BA-9337-69DE94B04A06}" type="datetimeFigureOut">
               <a:rPr lang="es-MX" smtClean="0"/>
-              <a:t>19/11/2018</a:t>
+              <a:t>25/11/2018</a:t>
             </a:fld>
             <a:endParaRPr lang="es-MX"/>
           </a:p>
@@ -1148,7 +1149,7 @@
           <a:p>
             <a:fld id="{B00EA979-0D74-41BA-9337-69DE94B04A06}" type="datetimeFigureOut">
               <a:rPr lang="es-MX" smtClean="0"/>
-              <a:t>19/11/2018</a:t>
+              <a:t>25/11/2018</a:t>
             </a:fld>
             <a:endParaRPr lang="es-MX"/>
           </a:p>
@@ -1416,7 +1417,7 @@
           <a:p>
             <a:fld id="{B00EA979-0D74-41BA-9337-69DE94B04A06}" type="datetimeFigureOut">
               <a:rPr lang="es-MX" smtClean="0"/>
-              <a:t>19/11/2018</a:t>
+              <a:t>25/11/2018</a:t>
             </a:fld>
             <a:endParaRPr lang="es-MX"/>
           </a:p>
@@ -1831,7 +1832,7 @@
           <a:p>
             <a:fld id="{B00EA979-0D74-41BA-9337-69DE94B04A06}" type="datetimeFigureOut">
               <a:rPr lang="es-MX" smtClean="0"/>
-              <a:t>19/11/2018</a:t>
+              <a:t>25/11/2018</a:t>
             </a:fld>
             <a:endParaRPr lang="es-MX"/>
           </a:p>
@@ -1973,7 +1974,7 @@
           <a:p>
             <a:fld id="{B00EA979-0D74-41BA-9337-69DE94B04A06}" type="datetimeFigureOut">
               <a:rPr lang="es-MX" smtClean="0"/>
-              <a:t>19/11/2018</a:t>
+              <a:t>25/11/2018</a:t>
             </a:fld>
             <a:endParaRPr lang="es-MX"/>
           </a:p>
@@ -2086,7 +2087,7 @@
           <a:p>
             <a:fld id="{B00EA979-0D74-41BA-9337-69DE94B04A06}" type="datetimeFigureOut">
               <a:rPr lang="es-MX" smtClean="0"/>
-              <a:t>19/11/2018</a:t>
+              <a:t>25/11/2018</a:t>
             </a:fld>
             <a:endParaRPr lang="es-MX"/>
           </a:p>
@@ -2399,7 +2400,7 @@
           <a:p>
             <a:fld id="{B00EA979-0D74-41BA-9337-69DE94B04A06}" type="datetimeFigureOut">
               <a:rPr lang="es-MX" smtClean="0"/>
-              <a:t>19/11/2018</a:t>
+              <a:t>25/11/2018</a:t>
             </a:fld>
             <a:endParaRPr lang="es-MX"/>
           </a:p>
@@ -2688,7 +2689,7 @@
           <a:p>
             <a:fld id="{B00EA979-0D74-41BA-9337-69DE94B04A06}" type="datetimeFigureOut">
               <a:rPr lang="es-MX" smtClean="0"/>
-              <a:t>19/11/2018</a:t>
+              <a:t>25/11/2018</a:t>
             </a:fld>
             <a:endParaRPr lang="es-MX"/>
           </a:p>
@@ -2931,7 +2932,7 @@
           <a:p>
             <a:fld id="{B00EA979-0D74-41BA-9337-69DE94B04A06}" type="datetimeFigureOut">
               <a:rPr lang="es-MX" smtClean="0"/>
-              <a:t>19/11/2018</a:t>
+              <a:t>25/11/2018</a:t>
             </a:fld>
             <a:endParaRPr lang="es-MX"/>
           </a:p>
@@ -4198,6 +4199,1706 @@
 </p:sld>
 </file>
 
+<file path=ppt/slides/slide3.xml><?xml version="1.0" encoding="utf-8"?>
+<p:sld xmlns:a="http://schemas.openxmlformats.org/drawingml/2006/main" xmlns:r="http://schemas.openxmlformats.org/officeDocument/2006/relationships" xmlns:p="http://schemas.openxmlformats.org/presentationml/2006/main">
+  <p:cSld>
+    <p:spTree>
+      <p:nvGrpSpPr>
+        <p:cNvPr id="1" name=""/>
+        <p:cNvGrpSpPr/>
+        <p:nvPr/>
+      </p:nvGrpSpPr>
+      <p:grpSpPr>
+        <a:xfrm>
+          <a:off x="0" y="0"/>
+          <a:ext cx="0" cy="0"/>
+          <a:chOff x="0" y="0"/>
+          <a:chExt cx="0" cy="0"/>
+        </a:xfrm>
+      </p:grpSpPr>
+      <p:sp>
+        <p:nvSpPr>
+          <p:cNvPr id="2" name="Elipse 1">
+            <a:extLst>
+              <a:ext uri="{FF2B5EF4-FFF2-40B4-BE49-F238E27FC236}">
+                <a16:creationId xmlns:a16="http://schemas.microsoft.com/office/drawing/2014/main" id="{42E01E9F-7419-4FC4-838C-C8F07B0D5A0B}"/>
+              </a:ext>
+            </a:extLst>
+          </p:cNvPr>
+          <p:cNvSpPr/>
+          <p:nvPr/>
+        </p:nvSpPr>
+        <p:spPr>
+          <a:xfrm>
+            <a:off x="2349304" y="570298"/>
+            <a:ext cx="1097280" cy="1083213"/>
+          </a:xfrm>
+          <a:prstGeom prst="ellipse">
+            <a:avLst/>
+          </a:prstGeom>
+          <a:solidFill>
+            <a:schemeClr val="accent6">
+              <a:lumMod val="60000"/>
+              <a:lumOff val="40000"/>
+            </a:schemeClr>
+          </a:solidFill>
+          <a:ln w="28575">
+            <a:solidFill>
+              <a:schemeClr val="accent6">
+                <a:lumMod val="75000"/>
+              </a:schemeClr>
+            </a:solidFill>
+          </a:ln>
+        </p:spPr>
+        <p:style>
+          <a:lnRef idx="2">
+            <a:schemeClr val="accent1">
+              <a:shade val="50000"/>
+            </a:schemeClr>
+          </a:lnRef>
+          <a:fillRef idx="1">
+            <a:schemeClr val="accent1"/>
+          </a:fillRef>
+          <a:effectRef idx="0">
+            <a:schemeClr val="accent1"/>
+          </a:effectRef>
+          <a:fontRef idx="minor">
+            <a:schemeClr val="lt1"/>
+          </a:fontRef>
+        </p:style>
+        <p:txBody>
+          <a:bodyPr rtlCol="0" anchor="ctr"/>
+          <a:lstStyle/>
+          <a:p>
+            <a:pPr algn="ctr"/>
+            <a:r>
+              <a:rPr lang="es-MX" sz="1400" b="1" dirty="0">
+                <a:solidFill>
+                  <a:schemeClr val="accent6">
+                    <a:lumMod val="75000"/>
+                  </a:schemeClr>
+                </a:solidFill>
+                <a:latin typeface="Century Gothic" panose="020B0502020202020204" pitchFamily="34" charset="0"/>
+              </a:rPr>
+              <a:t>PADRE</a:t>
+            </a:r>
+            <a:endParaRPr lang="es-MX" sz="1050" b="1" dirty="0">
+              <a:solidFill>
+                <a:schemeClr val="accent6">
+                  <a:lumMod val="75000"/>
+                </a:schemeClr>
+              </a:solidFill>
+              <a:latin typeface="Century Gothic" panose="020B0502020202020204" pitchFamily="34" charset="0"/>
+            </a:endParaRPr>
+          </a:p>
+        </p:txBody>
+      </p:sp>
+      <p:sp>
+        <p:nvSpPr>
+          <p:cNvPr id="6" name="Elipse 5">
+            <a:extLst>
+              <a:ext uri="{FF2B5EF4-FFF2-40B4-BE49-F238E27FC236}">
+                <a16:creationId xmlns:a16="http://schemas.microsoft.com/office/drawing/2014/main" id="{5A486B32-4856-4AF9-8F2D-56AD3A159F8A}"/>
+              </a:ext>
+            </a:extLst>
+          </p:cNvPr>
+          <p:cNvSpPr/>
+          <p:nvPr/>
+        </p:nvSpPr>
+        <p:spPr>
+          <a:xfrm>
+            <a:off x="2349304" y="2732647"/>
+            <a:ext cx="1097280" cy="1083213"/>
+          </a:xfrm>
+          <a:prstGeom prst="ellipse">
+            <a:avLst/>
+          </a:prstGeom>
+          <a:solidFill>
+            <a:schemeClr val="accent6">
+              <a:lumMod val="60000"/>
+              <a:lumOff val="40000"/>
+            </a:schemeClr>
+          </a:solidFill>
+          <a:ln w="28575">
+            <a:solidFill>
+              <a:schemeClr val="accent6">
+                <a:lumMod val="75000"/>
+              </a:schemeClr>
+            </a:solidFill>
+          </a:ln>
+        </p:spPr>
+        <p:style>
+          <a:lnRef idx="2">
+            <a:schemeClr val="accent1">
+              <a:shade val="50000"/>
+            </a:schemeClr>
+          </a:lnRef>
+          <a:fillRef idx="1">
+            <a:schemeClr val="accent1"/>
+          </a:fillRef>
+          <a:effectRef idx="0">
+            <a:schemeClr val="accent1"/>
+          </a:effectRef>
+          <a:fontRef idx="minor">
+            <a:schemeClr val="lt1"/>
+          </a:fontRef>
+        </p:style>
+        <p:txBody>
+          <a:bodyPr rtlCol="0" anchor="ctr"/>
+          <a:lstStyle/>
+          <a:p>
+            <a:pPr algn="ctr"/>
+            <a:r>
+              <a:rPr lang="es-MX" sz="2000" b="1" dirty="0">
+                <a:solidFill>
+                  <a:schemeClr val="accent6">
+                    <a:lumMod val="75000"/>
+                  </a:schemeClr>
+                </a:solidFill>
+                <a:latin typeface="Century Gothic" panose="020B0502020202020204" pitchFamily="34" charset="0"/>
+              </a:rPr>
+              <a:t>HIJO</a:t>
+            </a:r>
+            <a:endParaRPr lang="es-MX" sz="2800" dirty="0"/>
+          </a:p>
+        </p:txBody>
+      </p:sp>
+      <p:sp>
+        <p:nvSpPr>
+          <p:cNvPr id="7" name="Elipse 6">
+            <a:extLst>
+              <a:ext uri="{FF2B5EF4-FFF2-40B4-BE49-F238E27FC236}">
+                <a16:creationId xmlns:a16="http://schemas.microsoft.com/office/drawing/2014/main" id="{E91258F7-9252-4158-BF93-10722FC3B82E}"/>
+              </a:ext>
+            </a:extLst>
+          </p:cNvPr>
+          <p:cNvSpPr/>
+          <p:nvPr/>
+        </p:nvSpPr>
+        <p:spPr>
+          <a:xfrm>
+            <a:off x="2349304" y="5012495"/>
+            <a:ext cx="1097280" cy="1083213"/>
+          </a:xfrm>
+          <a:prstGeom prst="ellipse">
+            <a:avLst/>
+          </a:prstGeom>
+          <a:solidFill>
+            <a:schemeClr val="accent6">
+              <a:lumMod val="60000"/>
+              <a:lumOff val="40000"/>
+            </a:schemeClr>
+          </a:solidFill>
+          <a:ln w="28575">
+            <a:solidFill>
+              <a:schemeClr val="accent6">
+                <a:lumMod val="75000"/>
+              </a:schemeClr>
+            </a:solidFill>
+          </a:ln>
+        </p:spPr>
+        <p:style>
+          <a:lnRef idx="2">
+            <a:schemeClr val="accent1">
+              <a:shade val="50000"/>
+            </a:schemeClr>
+          </a:lnRef>
+          <a:fillRef idx="1">
+            <a:schemeClr val="accent1"/>
+          </a:fillRef>
+          <a:effectRef idx="0">
+            <a:schemeClr val="accent1"/>
+          </a:effectRef>
+          <a:fontRef idx="minor">
+            <a:schemeClr val="lt1"/>
+          </a:fontRef>
+        </p:style>
+        <p:txBody>
+          <a:bodyPr rtlCol="0" anchor="ctr"/>
+          <a:lstStyle/>
+          <a:p>
+            <a:pPr algn="ctr"/>
+            <a:r>
+              <a:rPr lang="es-MX" sz="1600" b="1" dirty="0">
+                <a:solidFill>
+                  <a:schemeClr val="accent6">
+                    <a:lumMod val="75000"/>
+                  </a:schemeClr>
+                </a:solidFill>
+                <a:latin typeface="Century Gothic" panose="020B0502020202020204" pitchFamily="34" charset="0"/>
+              </a:rPr>
+              <a:t>NIETO</a:t>
+            </a:r>
+            <a:endParaRPr lang="es-MX" sz="1100" dirty="0"/>
+          </a:p>
+        </p:txBody>
+      </p:sp>
+      <p:sp>
+        <p:nvSpPr>
+          <p:cNvPr id="8" name="Flecha: curvada hacia abajo 7">
+            <a:extLst>
+              <a:ext uri="{FF2B5EF4-FFF2-40B4-BE49-F238E27FC236}">
+                <a16:creationId xmlns:a16="http://schemas.microsoft.com/office/drawing/2014/main" id="{4F2557DD-0A81-4250-93E9-D60656192F8E}"/>
+              </a:ext>
+            </a:extLst>
+          </p:cNvPr>
+          <p:cNvSpPr/>
+          <p:nvPr/>
+        </p:nvSpPr>
+        <p:spPr>
+          <a:xfrm rot="16200000">
+            <a:off x="-1605414" y="2301232"/>
+            <a:ext cx="5783240" cy="1805711"/>
+          </a:xfrm>
+          <a:prstGeom prst="curvedDownArrow">
+            <a:avLst>
+              <a:gd name="adj1" fmla="val 18649"/>
+              <a:gd name="adj2" fmla="val 50000"/>
+              <a:gd name="adj3" fmla="val 25000"/>
+            </a:avLst>
+          </a:prstGeom>
+          <a:solidFill>
+            <a:srgbClr val="AD5B9D"/>
+          </a:solidFill>
+          <a:ln>
+            <a:solidFill>
+              <a:srgbClr val="AD5B9D"/>
+            </a:solidFill>
+          </a:ln>
+        </p:spPr>
+        <p:style>
+          <a:lnRef idx="2">
+            <a:schemeClr val="accent1">
+              <a:shade val="50000"/>
+            </a:schemeClr>
+          </a:lnRef>
+          <a:fillRef idx="1">
+            <a:schemeClr val="accent1"/>
+          </a:fillRef>
+          <a:effectRef idx="0">
+            <a:schemeClr val="accent1"/>
+          </a:effectRef>
+          <a:fontRef idx="minor">
+            <a:schemeClr val="lt1"/>
+          </a:fontRef>
+        </p:style>
+        <p:txBody>
+          <a:bodyPr rtlCol="0" anchor="ctr"/>
+          <a:lstStyle/>
+          <a:p>
+            <a:pPr algn="ctr"/>
+            <a:endParaRPr lang="es-MX">
+              <a:solidFill>
+                <a:schemeClr val="tx1"/>
+              </a:solidFill>
+            </a:endParaRPr>
+          </a:p>
+        </p:txBody>
+      </p:sp>
+      <p:sp>
+        <p:nvSpPr>
+          <p:cNvPr id="9" name="Flecha: curvada hacia abajo 8">
+            <a:extLst>
+              <a:ext uri="{FF2B5EF4-FFF2-40B4-BE49-F238E27FC236}">
+                <a16:creationId xmlns:a16="http://schemas.microsoft.com/office/drawing/2014/main" id="{EF3FD0B6-404D-427E-8DF8-C91A2BBFB0D9}"/>
+              </a:ext>
+            </a:extLst>
+          </p:cNvPr>
+          <p:cNvSpPr/>
+          <p:nvPr/>
+        </p:nvSpPr>
+        <p:spPr>
+          <a:xfrm rot="16200000">
+            <a:off x="552899" y="1984785"/>
+            <a:ext cx="2098487" cy="931632"/>
+          </a:xfrm>
+          <a:prstGeom prst="curvedDownArrow">
+            <a:avLst>
+              <a:gd name="adj1" fmla="val 18649"/>
+              <a:gd name="adj2" fmla="val 50000"/>
+              <a:gd name="adj3" fmla="val 25000"/>
+            </a:avLst>
+          </a:prstGeom>
+          <a:solidFill>
+            <a:srgbClr val="A99F95"/>
+          </a:solidFill>
+          <a:ln>
+            <a:solidFill>
+              <a:srgbClr val="A99F95"/>
+            </a:solidFill>
+          </a:ln>
+        </p:spPr>
+        <p:style>
+          <a:lnRef idx="2">
+            <a:schemeClr val="accent1">
+              <a:shade val="50000"/>
+            </a:schemeClr>
+          </a:lnRef>
+          <a:fillRef idx="1">
+            <a:schemeClr val="accent1"/>
+          </a:fillRef>
+          <a:effectRef idx="0">
+            <a:schemeClr val="accent1"/>
+          </a:effectRef>
+          <a:fontRef idx="minor">
+            <a:schemeClr val="lt1"/>
+          </a:fontRef>
+        </p:style>
+        <p:txBody>
+          <a:bodyPr rtlCol="0" anchor="ctr"/>
+          <a:lstStyle/>
+          <a:p>
+            <a:pPr algn="ctr"/>
+            <a:endParaRPr lang="es-MX">
+              <a:solidFill>
+                <a:schemeClr val="tx1"/>
+              </a:solidFill>
+            </a:endParaRPr>
+          </a:p>
+        </p:txBody>
+      </p:sp>
+      <p:sp>
+        <p:nvSpPr>
+          <p:cNvPr id="11" name="Flecha: curvada hacia abajo 10">
+            <a:extLst>
+              <a:ext uri="{FF2B5EF4-FFF2-40B4-BE49-F238E27FC236}">
+                <a16:creationId xmlns:a16="http://schemas.microsoft.com/office/drawing/2014/main" id="{235A2CDA-9BBA-4C3B-95EA-BE147AC3D1C2}"/>
+              </a:ext>
+            </a:extLst>
+          </p:cNvPr>
+          <p:cNvSpPr/>
+          <p:nvPr/>
+        </p:nvSpPr>
+        <p:spPr>
+          <a:xfrm rot="5400000">
+            <a:off x="3060042" y="1564994"/>
+            <a:ext cx="2208708" cy="1160586"/>
+          </a:xfrm>
+          <a:prstGeom prst="curvedDownArrow">
+            <a:avLst>
+              <a:gd name="adj1" fmla="val 18649"/>
+              <a:gd name="adj2" fmla="val 50000"/>
+              <a:gd name="adj3" fmla="val 25000"/>
+            </a:avLst>
+          </a:prstGeom>
+          <a:solidFill>
+            <a:srgbClr val="FFCC99"/>
+          </a:solidFill>
+          <a:ln>
+            <a:solidFill>
+              <a:srgbClr val="FFCC99"/>
+            </a:solidFill>
+          </a:ln>
+        </p:spPr>
+        <p:style>
+          <a:lnRef idx="2">
+            <a:schemeClr val="accent1">
+              <a:shade val="50000"/>
+            </a:schemeClr>
+          </a:lnRef>
+          <a:fillRef idx="1">
+            <a:schemeClr val="accent1"/>
+          </a:fillRef>
+          <a:effectRef idx="0">
+            <a:schemeClr val="accent1"/>
+          </a:effectRef>
+          <a:fontRef idx="minor">
+            <a:schemeClr val="lt1"/>
+          </a:fontRef>
+        </p:style>
+        <p:txBody>
+          <a:bodyPr rtlCol="0" anchor="ctr"/>
+          <a:lstStyle/>
+          <a:p>
+            <a:pPr algn="ctr"/>
+            <a:endParaRPr lang="es-MX">
+              <a:solidFill>
+                <a:schemeClr val="tx1"/>
+              </a:solidFill>
+            </a:endParaRPr>
+          </a:p>
+        </p:txBody>
+      </p:sp>
+      <p:sp>
+        <p:nvSpPr>
+          <p:cNvPr id="12" name="Flecha: curvada hacia abajo 11">
+            <a:extLst>
+              <a:ext uri="{FF2B5EF4-FFF2-40B4-BE49-F238E27FC236}">
+                <a16:creationId xmlns:a16="http://schemas.microsoft.com/office/drawing/2014/main" id="{993BED42-01CB-4AC0-9D9A-32215B2C68C9}"/>
+              </a:ext>
+            </a:extLst>
+          </p:cNvPr>
+          <p:cNvSpPr/>
+          <p:nvPr/>
+        </p:nvSpPr>
+        <p:spPr>
+          <a:xfrm rot="5400000">
+            <a:off x="2930620" y="4066077"/>
+            <a:ext cx="2434734" cy="1160586"/>
+          </a:xfrm>
+          <a:prstGeom prst="curvedDownArrow">
+            <a:avLst>
+              <a:gd name="adj1" fmla="val 18649"/>
+              <a:gd name="adj2" fmla="val 50000"/>
+              <a:gd name="adj3" fmla="val 25000"/>
+            </a:avLst>
+          </a:prstGeom>
+          <a:solidFill>
+            <a:srgbClr val="39B2CF"/>
+          </a:solidFill>
+          <a:ln>
+            <a:solidFill>
+              <a:srgbClr val="39B2CF"/>
+            </a:solidFill>
+          </a:ln>
+        </p:spPr>
+        <p:style>
+          <a:lnRef idx="2">
+            <a:schemeClr val="accent1">
+              <a:shade val="50000"/>
+            </a:schemeClr>
+          </a:lnRef>
+          <a:fillRef idx="1">
+            <a:schemeClr val="accent1"/>
+          </a:fillRef>
+          <a:effectRef idx="0">
+            <a:schemeClr val="accent1"/>
+          </a:effectRef>
+          <a:fontRef idx="minor">
+            <a:schemeClr val="lt1"/>
+          </a:fontRef>
+        </p:style>
+        <p:txBody>
+          <a:bodyPr rtlCol="0" anchor="ctr"/>
+          <a:lstStyle/>
+          <a:p>
+            <a:pPr algn="ctr"/>
+            <a:endParaRPr lang="es-MX">
+              <a:solidFill>
+                <a:schemeClr val="tx1"/>
+              </a:solidFill>
+            </a:endParaRPr>
+          </a:p>
+        </p:txBody>
+      </p:sp>
+      <p:cxnSp>
+        <p:nvCxnSpPr>
+          <p:cNvPr id="14" name="Conector recto 13">
+            <a:extLst>
+              <a:ext uri="{FF2B5EF4-FFF2-40B4-BE49-F238E27FC236}">
+                <a16:creationId xmlns:a16="http://schemas.microsoft.com/office/drawing/2014/main" id="{60159E46-2C4E-4E14-9B91-40969AA26B7F}"/>
+              </a:ext>
+            </a:extLst>
+          </p:cNvPr>
+          <p:cNvCxnSpPr>
+            <a:stCxn id="2" idx="4"/>
+            <a:endCxn id="6" idx="0"/>
+          </p:cNvCxnSpPr>
+          <p:nvPr/>
+        </p:nvCxnSpPr>
+        <p:spPr>
+          <a:xfrm>
+            <a:off x="2897944" y="1653511"/>
+            <a:ext cx="0" cy="1079136"/>
+          </a:xfrm>
+          <a:prstGeom prst="line">
+            <a:avLst/>
+          </a:prstGeom>
+          <a:ln w="57150">
+            <a:solidFill>
+              <a:schemeClr val="accent6">
+                <a:lumMod val="50000"/>
+              </a:schemeClr>
+            </a:solidFill>
+          </a:ln>
+        </p:spPr>
+        <p:style>
+          <a:lnRef idx="1">
+            <a:schemeClr val="accent1"/>
+          </a:lnRef>
+          <a:fillRef idx="0">
+            <a:schemeClr val="accent1"/>
+          </a:fillRef>
+          <a:effectRef idx="0">
+            <a:schemeClr val="accent1"/>
+          </a:effectRef>
+          <a:fontRef idx="minor">
+            <a:schemeClr val="tx1"/>
+          </a:fontRef>
+        </p:style>
+      </p:cxnSp>
+      <p:cxnSp>
+        <p:nvCxnSpPr>
+          <p:cNvPr id="16" name="Conector recto 15">
+            <a:extLst>
+              <a:ext uri="{FF2B5EF4-FFF2-40B4-BE49-F238E27FC236}">
+                <a16:creationId xmlns:a16="http://schemas.microsoft.com/office/drawing/2014/main" id="{01A95157-4E2D-490B-B774-519B72C852AE}"/>
+              </a:ext>
+            </a:extLst>
+          </p:cNvPr>
+          <p:cNvCxnSpPr>
+            <a:cxnSpLocks/>
+            <a:stCxn id="7" idx="0"/>
+            <a:endCxn id="6" idx="4"/>
+          </p:cNvCxnSpPr>
+          <p:nvPr/>
+        </p:nvCxnSpPr>
+        <p:spPr>
+          <a:xfrm flipV="1">
+            <a:off x="2897944" y="3815860"/>
+            <a:ext cx="0" cy="1196635"/>
+          </a:xfrm>
+          <a:prstGeom prst="line">
+            <a:avLst/>
+          </a:prstGeom>
+          <a:ln w="57150">
+            <a:solidFill>
+              <a:schemeClr val="accent6">
+                <a:lumMod val="50000"/>
+              </a:schemeClr>
+            </a:solidFill>
+          </a:ln>
+        </p:spPr>
+        <p:style>
+          <a:lnRef idx="1">
+            <a:schemeClr val="accent1"/>
+          </a:lnRef>
+          <a:fillRef idx="0">
+            <a:schemeClr val="accent1"/>
+          </a:fillRef>
+          <a:effectRef idx="0">
+            <a:schemeClr val="accent1"/>
+          </a:effectRef>
+          <a:fontRef idx="minor">
+            <a:schemeClr val="tx1"/>
+          </a:fontRef>
+        </p:style>
+      </p:cxnSp>
+      <p:sp>
+        <p:nvSpPr>
+          <p:cNvPr id="20" name="CuadroTexto 19">
+            <a:extLst>
+              <a:ext uri="{FF2B5EF4-FFF2-40B4-BE49-F238E27FC236}">
+                <a16:creationId xmlns:a16="http://schemas.microsoft.com/office/drawing/2014/main" id="{01CF81F2-C2E9-459D-8CDE-EB6011227022}"/>
+              </a:ext>
+            </a:extLst>
+          </p:cNvPr>
+          <p:cNvSpPr txBox="1"/>
+          <p:nvPr/>
+        </p:nvSpPr>
+        <p:spPr>
+          <a:xfrm>
+            <a:off x="5902339" y="312468"/>
+            <a:ext cx="5712650" cy="369332"/>
+          </a:xfrm>
+          <a:prstGeom prst="rect">
+            <a:avLst/>
+          </a:prstGeom>
+          <a:noFill/>
+        </p:spPr>
+        <p:txBody>
+          <a:bodyPr wrap="square" rtlCol="0">
+            <a:spAutoFit/>
+          </a:bodyPr>
+          <a:lstStyle/>
+          <a:p>
+            <a:r>
+              <a:rPr lang="es-MX" b="1" dirty="0">
+                <a:latin typeface="Century Gothic" panose="020B0502020202020204" pitchFamily="34" charset="0"/>
+              </a:rPr>
+              <a:t>Envía matriz 1 y 2</a:t>
+            </a:r>
+          </a:p>
+        </p:txBody>
+      </p:sp>
+      <p:sp>
+        <p:nvSpPr>
+          <p:cNvPr id="21" name="CuadroTexto 20">
+            <a:extLst>
+              <a:ext uri="{FF2B5EF4-FFF2-40B4-BE49-F238E27FC236}">
+                <a16:creationId xmlns:a16="http://schemas.microsoft.com/office/drawing/2014/main" id="{4D3FA45A-C8F7-4BB6-922A-0A86DBDEE8A9}"/>
+              </a:ext>
+            </a:extLst>
+          </p:cNvPr>
+          <p:cNvSpPr txBox="1"/>
+          <p:nvPr/>
+        </p:nvSpPr>
+        <p:spPr>
+          <a:xfrm>
+            <a:off x="5905502" y="3074848"/>
+            <a:ext cx="5712650" cy="369332"/>
+          </a:xfrm>
+          <a:prstGeom prst="rect">
+            <a:avLst/>
+          </a:prstGeom>
+          <a:noFill/>
+        </p:spPr>
+        <p:txBody>
+          <a:bodyPr wrap="square" rtlCol="0">
+            <a:spAutoFit/>
+          </a:bodyPr>
+          <a:lstStyle/>
+          <a:p>
+            <a:r>
+              <a:rPr lang="es-MX" b="1" dirty="0">
+                <a:latin typeface="Century Gothic" panose="020B0502020202020204" pitchFamily="34" charset="0"/>
+              </a:rPr>
+              <a:t>Envía matriz A y B</a:t>
+            </a:r>
+          </a:p>
+        </p:txBody>
+      </p:sp>
+      <p:sp>
+        <p:nvSpPr>
+          <p:cNvPr id="22" name="CuadroTexto 21">
+            <a:extLst>
+              <a:ext uri="{FF2B5EF4-FFF2-40B4-BE49-F238E27FC236}">
+                <a16:creationId xmlns:a16="http://schemas.microsoft.com/office/drawing/2014/main" id="{0E1B30B7-75C6-4A51-918F-72D23FF2EA26}"/>
+              </a:ext>
+            </a:extLst>
+          </p:cNvPr>
+          <p:cNvSpPr txBox="1"/>
+          <p:nvPr/>
+        </p:nvSpPr>
+        <p:spPr>
+          <a:xfrm>
+            <a:off x="5889093" y="5349449"/>
+            <a:ext cx="5712650" cy="369332"/>
+          </a:xfrm>
+          <a:prstGeom prst="rect">
+            <a:avLst/>
+          </a:prstGeom>
+          <a:noFill/>
+        </p:spPr>
+        <p:txBody>
+          <a:bodyPr wrap="square" rtlCol="0">
+            <a:spAutoFit/>
+          </a:bodyPr>
+          <a:lstStyle/>
+          <a:p>
+            <a:r>
+              <a:rPr lang="es-MX" b="1" dirty="0">
+                <a:latin typeface="Century Gothic" panose="020B0502020202020204" pitchFamily="34" charset="0"/>
+              </a:rPr>
+              <a:t>Suma matrices A y B</a:t>
+            </a:r>
+          </a:p>
+        </p:txBody>
+      </p:sp>
+      <p:sp>
+        <p:nvSpPr>
+          <p:cNvPr id="23" name="CuadroTexto 22">
+            <a:extLst>
+              <a:ext uri="{FF2B5EF4-FFF2-40B4-BE49-F238E27FC236}">
+                <a16:creationId xmlns:a16="http://schemas.microsoft.com/office/drawing/2014/main" id="{0F7F6CDC-5688-455F-94D7-CE2CAA989BDA}"/>
+              </a:ext>
+            </a:extLst>
+          </p:cNvPr>
+          <p:cNvSpPr txBox="1"/>
+          <p:nvPr/>
+        </p:nvSpPr>
+        <p:spPr>
+          <a:xfrm>
+            <a:off x="5889093" y="4951982"/>
+            <a:ext cx="5712650" cy="369332"/>
+          </a:xfrm>
+          <a:prstGeom prst="rect">
+            <a:avLst/>
+          </a:prstGeom>
+          <a:noFill/>
+        </p:spPr>
+        <p:txBody>
+          <a:bodyPr wrap="square" rtlCol="0">
+            <a:spAutoFit/>
+          </a:bodyPr>
+          <a:lstStyle/>
+          <a:p>
+            <a:r>
+              <a:rPr lang="es-MX" b="1" dirty="0">
+                <a:latin typeface="Century Gothic" panose="020B0502020202020204" pitchFamily="34" charset="0"/>
+              </a:rPr>
+              <a:t>Recibe matriz A y B</a:t>
+            </a:r>
+          </a:p>
+        </p:txBody>
+      </p:sp>
+      <p:sp>
+        <p:nvSpPr>
+          <p:cNvPr id="24" name="CuadroTexto 23">
+            <a:extLst>
+              <a:ext uri="{FF2B5EF4-FFF2-40B4-BE49-F238E27FC236}">
+                <a16:creationId xmlns:a16="http://schemas.microsoft.com/office/drawing/2014/main" id="{7E220505-6EF3-4F96-AD17-A9B825D3B289}"/>
+              </a:ext>
+            </a:extLst>
+          </p:cNvPr>
+          <p:cNvSpPr txBox="1"/>
+          <p:nvPr/>
+        </p:nvSpPr>
+        <p:spPr>
+          <a:xfrm>
+            <a:off x="5902339" y="714066"/>
+            <a:ext cx="5712650" cy="369332"/>
+          </a:xfrm>
+          <a:prstGeom prst="rect">
+            <a:avLst/>
+          </a:prstGeom>
+          <a:noFill/>
+        </p:spPr>
+        <p:txBody>
+          <a:bodyPr wrap="square" rtlCol="0">
+            <a:spAutoFit/>
+          </a:bodyPr>
+          <a:lstStyle/>
+          <a:p>
+            <a:r>
+              <a:rPr lang="es-MX" b="1" dirty="0">
+                <a:latin typeface="Century Gothic" panose="020B0502020202020204" pitchFamily="34" charset="0"/>
+              </a:rPr>
+              <a:t>Recibe resultado de la suma</a:t>
+            </a:r>
+          </a:p>
+        </p:txBody>
+      </p:sp>
+      <p:sp>
+        <p:nvSpPr>
+          <p:cNvPr id="25" name="CuadroTexto 24">
+            <a:extLst>
+              <a:ext uri="{FF2B5EF4-FFF2-40B4-BE49-F238E27FC236}">
+                <a16:creationId xmlns:a16="http://schemas.microsoft.com/office/drawing/2014/main" id="{8EF67445-3D7A-4071-9D60-F84AFDFC823B}"/>
+              </a:ext>
+            </a:extLst>
+          </p:cNvPr>
+          <p:cNvSpPr txBox="1"/>
+          <p:nvPr/>
+        </p:nvSpPr>
+        <p:spPr>
+          <a:xfrm>
+            <a:off x="5889093" y="5726376"/>
+            <a:ext cx="5712650" cy="369332"/>
+          </a:xfrm>
+          <a:prstGeom prst="rect">
+            <a:avLst/>
+          </a:prstGeom>
+          <a:noFill/>
+        </p:spPr>
+        <p:txBody>
+          <a:bodyPr wrap="square" rtlCol="0">
+            <a:spAutoFit/>
+          </a:bodyPr>
+          <a:lstStyle/>
+          <a:p>
+            <a:r>
+              <a:rPr lang="es-MX" b="1" dirty="0">
+                <a:latin typeface="Century Gothic" panose="020B0502020202020204" pitchFamily="34" charset="0"/>
+              </a:rPr>
+              <a:t>Envía el resultado de la suma</a:t>
+            </a:r>
+          </a:p>
+        </p:txBody>
+      </p:sp>
+      <p:sp>
+        <p:nvSpPr>
+          <p:cNvPr id="26" name="CuadroTexto 25">
+            <a:extLst>
+              <a:ext uri="{FF2B5EF4-FFF2-40B4-BE49-F238E27FC236}">
+                <a16:creationId xmlns:a16="http://schemas.microsoft.com/office/drawing/2014/main" id="{E47B1F45-6F65-419E-815E-7A16D7EBE07D}"/>
+              </a:ext>
+            </a:extLst>
+          </p:cNvPr>
+          <p:cNvSpPr txBox="1"/>
+          <p:nvPr/>
+        </p:nvSpPr>
+        <p:spPr>
+          <a:xfrm>
+            <a:off x="5889093" y="3433567"/>
+            <a:ext cx="5712650" cy="369332"/>
+          </a:xfrm>
+          <a:prstGeom prst="rect">
+            <a:avLst/>
+          </a:prstGeom>
+          <a:noFill/>
+        </p:spPr>
+        <p:txBody>
+          <a:bodyPr wrap="square" rtlCol="0">
+            <a:spAutoFit/>
+          </a:bodyPr>
+          <a:lstStyle/>
+          <a:p>
+            <a:r>
+              <a:rPr lang="es-MX" b="1" dirty="0">
+                <a:latin typeface="Century Gothic" panose="020B0502020202020204" pitchFamily="34" charset="0"/>
+              </a:rPr>
+              <a:t>Multiplica matrices 1 y 2</a:t>
+            </a:r>
+          </a:p>
+        </p:txBody>
+      </p:sp>
+      <p:sp>
+        <p:nvSpPr>
+          <p:cNvPr id="27" name="CuadroTexto 26">
+            <a:extLst>
+              <a:ext uri="{FF2B5EF4-FFF2-40B4-BE49-F238E27FC236}">
+                <a16:creationId xmlns:a16="http://schemas.microsoft.com/office/drawing/2014/main" id="{BC234FAF-5CB7-4F24-BC18-2166B83A1BE1}"/>
+              </a:ext>
+            </a:extLst>
+          </p:cNvPr>
+          <p:cNvSpPr txBox="1"/>
+          <p:nvPr/>
+        </p:nvSpPr>
+        <p:spPr>
+          <a:xfrm>
+            <a:off x="5905502" y="3792286"/>
+            <a:ext cx="5712650" cy="369332"/>
+          </a:xfrm>
+          <a:prstGeom prst="rect">
+            <a:avLst/>
+          </a:prstGeom>
+          <a:noFill/>
+        </p:spPr>
+        <p:txBody>
+          <a:bodyPr wrap="square" rtlCol="0">
+            <a:spAutoFit/>
+          </a:bodyPr>
+          <a:lstStyle/>
+          <a:p>
+            <a:r>
+              <a:rPr lang="es-MX" b="1" dirty="0">
+                <a:latin typeface="Century Gothic" panose="020B0502020202020204" pitchFamily="34" charset="0"/>
+              </a:rPr>
+              <a:t>Envía el resultado de la multiplicación</a:t>
+            </a:r>
+          </a:p>
+        </p:txBody>
+      </p:sp>
+      <p:sp>
+        <p:nvSpPr>
+          <p:cNvPr id="28" name="CuadroTexto 27">
+            <a:extLst>
+              <a:ext uri="{FF2B5EF4-FFF2-40B4-BE49-F238E27FC236}">
+                <a16:creationId xmlns:a16="http://schemas.microsoft.com/office/drawing/2014/main" id="{AC22EE80-9142-4D03-83BD-E34279058C97}"/>
+              </a:ext>
+            </a:extLst>
+          </p:cNvPr>
+          <p:cNvSpPr txBox="1"/>
+          <p:nvPr/>
+        </p:nvSpPr>
+        <p:spPr>
+          <a:xfrm>
+            <a:off x="5889093" y="2733101"/>
+            <a:ext cx="5712650" cy="369332"/>
+          </a:xfrm>
+          <a:prstGeom prst="rect">
+            <a:avLst/>
+          </a:prstGeom>
+          <a:noFill/>
+        </p:spPr>
+        <p:txBody>
+          <a:bodyPr wrap="square" rtlCol="0">
+            <a:spAutoFit/>
+          </a:bodyPr>
+          <a:lstStyle/>
+          <a:p>
+            <a:r>
+              <a:rPr lang="es-MX" b="1" dirty="0">
+                <a:latin typeface="Century Gothic" panose="020B0502020202020204" pitchFamily="34" charset="0"/>
+              </a:rPr>
+              <a:t>Recibe matriz 1 y 2</a:t>
+            </a:r>
+          </a:p>
+        </p:txBody>
+      </p:sp>
+      <p:sp>
+        <p:nvSpPr>
+          <p:cNvPr id="29" name="CuadroTexto 28">
+            <a:extLst>
+              <a:ext uri="{FF2B5EF4-FFF2-40B4-BE49-F238E27FC236}">
+                <a16:creationId xmlns:a16="http://schemas.microsoft.com/office/drawing/2014/main" id="{413AF087-3D45-44D9-9CDB-8BB3CBFA124E}"/>
+              </a:ext>
+            </a:extLst>
+          </p:cNvPr>
+          <p:cNvSpPr txBox="1"/>
+          <p:nvPr/>
+        </p:nvSpPr>
+        <p:spPr>
+          <a:xfrm>
+            <a:off x="5899998" y="1088481"/>
+            <a:ext cx="5712650" cy="369332"/>
+          </a:xfrm>
+          <a:prstGeom prst="rect">
+            <a:avLst/>
+          </a:prstGeom>
+          <a:noFill/>
+        </p:spPr>
+        <p:txBody>
+          <a:bodyPr wrap="square" rtlCol="0">
+            <a:spAutoFit/>
+          </a:bodyPr>
+          <a:lstStyle/>
+          <a:p>
+            <a:r>
+              <a:rPr lang="es-MX" b="1" dirty="0">
+                <a:latin typeface="Century Gothic" panose="020B0502020202020204" pitchFamily="34" charset="0"/>
+              </a:rPr>
+              <a:t>Recibe resultado de la multiplicación</a:t>
+            </a:r>
+          </a:p>
+        </p:txBody>
+      </p:sp>
+      <p:sp>
+        <p:nvSpPr>
+          <p:cNvPr id="30" name="CuadroTexto 29">
+            <a:extLst>
+              <a:ext uri="{FF2B5EF4-FFF2-40B4-BE49-F238E27FC236}">
+                <a16:creationId xmlns:a16="http://schemas.microsoft.com/office/drawing/2014/main" id="{6A9F4788-5E59-44B7-AAF5-9CF4D996A38E}"/>
+              </a:ext>
+            </a:extLst>
+          </p:cNvPr>
+          <p:cNvSpPr txBox="1"/>
+          <p:nvPr/>
+        </p:nvSpPr>
+        <p:spPr>
+          <a:xfrm>
+            <a:off x="5897657" y="1461250"/>
+            <a:ext cx="5712650" cy="369332"/>
+          </a:xfrm>
+          <a:prstGeom prst="rect">
+            <a:avLst/>
+          </a:prstGeom>
+          <a:noFill/>
+        </p:spPr>
+        <p:txBody>
+          <a:bodyPr wrap="square" rtlCol="0">
+            <a:spAutoFit/>
+          </a:bodyPr>
+          <a:lstStyle/>
+          <a:p>
+            <a:r>
+              <a:rPr lang="es-MX" b="1" dirty="0">
+                <a:latin typeface="Century Gothic" panose="020B0502020202020204" pitchFamily="34" charset="0"/>
+              </a:rPr>
+              <a:t>Hace inversa de la suma</a:t>
+            </a:r>
+          </a:p>
+        </p:txBody>
+      </p:sp>
+      <p:sp>
+        <p:nvSpPr>
+          <p:cNvPr id="31" name="CuadroTexto 30">
+            <a:extLst>
+              <a:ext uri="{FF2B5EF4-FFF2-40B4-BE49-F238E27FC236}">
+                <a16:creationId xmlns:a16="http://schemas.microsoft.com/office/drawing/2014/main" id="{34633695-B655-4C37-87DA-FF828583DD16}"/>
+              </a:ext>
+            </a:extLst>
+          </p:cNvPr>
+          <p:cNvSpPr txBox="1"/>
+          <p:nvPr/>
+        </p:nvSpPr>
+        <p:spPr>
+          <a:xfrm>
+            <a:off x="5889093" y="1838177"/>
+            <a:ext cx="5712650" cy="369332"/>
+          </a:xfrm>
+          <a:prstGeom prst="rect">
+            <a:avLst/>
+          </a:prstGeom>
+          <a:noFill/>
+        </p:spPr>
+        <p:txBody>
+          <a:bodyPr wrap="square" rtlCol="0">
+            <a:spAutoFit/>
+          </a:bodyPr>
+          <a:lstStyle/>
+          <a:p>
+            <a:r>
+              <a:rPr lang="es-MX" b="1" dirty="0">
+                <a:latin typeface="Century Gothic" panose="020B0502020202020204" pitchFamily="34" charset="0"/>
+              </a:rPr>
+              <a:t>Hace inversa de la multiplicación</a:t>
+            </a:r>
+          </a:p>
+        </p:txBody>
+      </p:sp>
+      <p:sp>
+        <p:nvSpPr>
+          <p:cNvPr id="32" name="Elipse 31">
+            <a:extLst>
+              <a:ext uri="{FF2B5EF4-FFF2-40B4-BE49-F238E27FC236}">
+                <a16:creationId xmlns:a16="http://schemas.microsoft.com/office/drawing/2014/main" id="{C967FFF2-8316-4656-AC72-B7D77350B4DA}"/>
+              </a:ext>
+            </a:extLst>
+          </p:cNvPr>
+          <p:cNvSpPr/>
+          <p:nvPr/>
+        </p:nvSpPr>
+        <p:spPr>
+          <a:xfrm>
+            <a:off x="5635875" y="372014"/>
+            <a:ext cx="253218" cy="250240"/>
+          </a:xfrm>
+          <a:prstGeom prst="ellipse">
+            <a:avLst/>
+          </a:prstGeom>
+          <a:solidFill>
+            <a:srgbClr val="FFCC99"/>
+          </a:solidFill>
+          <a:ln>
+            <a:solidFill>
+              <a:srgbClr val="FFCC99"/>
+            </a:solidFill>
+          </a:ln>
+        </p:spPr>
+        <p:style>
+          <a:lnRef idx="2">
+            <a:schemeClr val="accent1">
+              <a:shade val="50000"/>
+            </a:schemeClr>
+          </a:lnRef>
+          <a:fillRef idx="1">
+            <a:schemeClr val="accent1"/>
+          </a:fillRef>
+          <a:effectRef idx="0">
+            <a:schemeClr val="accent1"/>
+          </a:effectRef>
+          <a:fontRef idx="minor">
+            <a:schemeClr val="lt1"/>
+          </a:fontRef>
+        </p:style>
+        <p:txBody>
+          <a:bodyPr rtlCol="0" anchor="ctr"/>
+          <a:lstStyle/>
+          <a:p>
+            <a:pPr algn="ctr"/>
+            <a:endParaRPr lang="es-MX"/>
+          </a:p>
+        </p:txBody>
+      </p:sp>
+      <p:sp>
+        <p:nvSpPr>
+          <p:cNvPr id="33" name="Elipse 32">
+            <a:extLst>
+              <a:ext uri="{FF2B5EF4-FFF2-40B4-BE49-F238E27FC236}">
+                <a16:creationId xmlns:a16="http://schemas.microsoft.com/office/drawing/2014/main" id="{1CD7F250-812D-47A0-B868-E622D7B31D41}"/>
+              </a:ext>
+            </a:extLst>
+          </p:cNvPr>
+          <p:cNvSpPr/>
+          <p:nvPr/>
+        </p:nvSpPr>
+        <p:spPr>
+          <a:xfrm>
+            <a:off x="5647951" y="761589"/>
+            <a:ext cx="253218" cy="250240"/>
+          </a:xfrm>
+          <a:prstGeom prst="ellipse">
+            <a:avLst/>
+          </a:prstGeom>
+          <a:solidFill>
+            <a:srgbClr val="AD5B9D"/>
+          </a:solidFill>
+          <a:ln>
+            <a:solidFill>
+              <a:srgbClr val="AD5B9D"/>
+            </a:solidFill>
+          </a:ln>
+        </p:spPr>
+        <p:style>
+          <a:lnRef idx="2">
+            <a:schemeClr val="accent1">
+              <a:shade val="50000"/>
+            </a:schemeClr>
+          </a:lnRef>
+          <a:fillRef idx="1">
+            <a:schemeClr val="accent1"/>
+          </a:fillRef>
+          <a:effectRef idx="0">
+            <a:schemeClr val="accent1"/>
+          </a:effectRef>
+          <a:fontRef idx="minor">
+            <a:schemeClr val="lt1"/>
+          </a:fontRef>
+        </p:style>
+        <p:txBody>
+          <a:bodyPr rtlCol="0" anchor="ctr"/>
+          <a:lstStyle/>
+          <a:p>
+            <a:pPr algn="ctr"/>
+            <a:endParaRPr lang="es-MX"/>
+          </a:p>
+        </p:txBody>
+      </p:sp>
+      <p:sp>
+        <p:nvSpPr>
+          <p:cNvPr id="34" name="Elipse 33">
+            <a:extLst>
+              <a:ext uri="{FF2B5EF4-FFF2-40B4-BE49-F238E27FC236}">
+                <a16:creationId xmlns:a16="http://schemas.microsoft.com/office/drawing/2014/main" id="{37882A47-6863-4BB0-AECE-CD4C7238A82E}"/>
+              </a:ext>
+            </a:extLst>
+          </p:cNvPr>
+          <p:cNvSpPr/>
+          <p:nvPr/>
+        </p:nvSpPr>
+        <p:spPr>
+          <a:xfrm>
+            <a:off x="5635875" y="1151118"/>
+            <a:ext cx="253218" cy="250240"/>
+          </a:xfrm>
+          <a:prstGeom prst="ellipse">
+            <a:avLst/>
+          </a:prstGeom>
+          <a:solidFill>
+            <a:srgbClr val="A99F95"/>
+          </a:solidFill>
+          <a:ln>
+            <a:solidFill>
+              <a:srgbClr val="A99F95"/>
+            </a:solidFill>
+          </a:ln>
+        </p:spPr>
+        <p:style>
+          <a:lnRef idx="2">
+            <a:schemeClr val="accent1">
+              <a:shade val="50000"/>
+            </a:schemeClr>
+          </a:lnRef>
+          <a:fillRef idx="1">
+            <a:schemeClr val="accent1"/>
+          </a:fillRef>
+          <a:effectRef idx="0">
+            <a:schemeClr val="accent1"/>
+          </a:effectRef>
+          <a:fontRef idx="minor">
+            <a:schemeClr val="lt1"/>
+          </a:fontRef>
+        </p:style>
+        <p:txBody>
+          <a:bodyPr rtlCol="0" anchor="ctr"/>
+          <a:lstStyle/>
+          <a:p>
+            <a:pPr algn="ctr"/>
+            <a:endParaRPr lang="es-MX"/>
+          </a:p>
+        </p:txBody>
+      </p:sp>
+      <p:sp>
+        <p:nvSpPr>
+          <p:cNvPr id="35" name="Elipse 34">
+            <a:extLst>
+              <a:ext uri="{FF2B5EF4-FFF2-40B4-BE49-F238E27FC236}">
+                <a16:creationId xmlns:a16="http://schemas.microsoft.com/office/drawing/2014/main" id="{0EFDB209-4158-40A4-9AEA-80AE5E5DAC1B}"/>
+              </a:ext>
+            </a:extLst>
+          </p:cNvPr>
+          <p:cNvSpPr/>
+          <p:nvPr/>
+        </p:nvSpPr>
+        <p:spPr>
+          <a:xfrm>
+            <a:off x="5635875" y="1528391"/>
+            <a:ext cx="253218" cy="250240"/>
+          </a:xfrm>
+          <a:prstGeom prst="ellipse">
+            <a:avLst/>
+          </a:prstGeom>
+          <a:solidFill>
+            <a:schemeClr val="accent6">
+              <a:lumMod val="60000"/>
+              <a:lumOff val="40000"/>
+            </a:schemeClr>
+          </a:solidFill>
+          <a:ln>
+            <a:solidFill>
+              <a:schemeClr val="accent6">
+                <a:lumMod val="75000"/>
+              </a:schemeClr>
+            </a:solidFill>
+          </a:ln>
+        </p:spPr>
+        <p:style>
+          <a:lnRef idx="2">
+            <a:schemeClr val="accent1">
+              <a:shade val="50000"/>
+            </a:schemeClr>
+          </a:lnRef>
+          <a:fillRef idx="1">
+            <a:schemeClr val="accent1"/>
+          </a:fillRef>
+          <a:effectRef idx="0">
+            <a:schemeClr val="accent1"/>
+          </a:effectRef>
+          <a:fontRef idx="minor">
+            <a:schemeClr val="lt1"/>
+          </a:fontRef>
+        </p:style>
+        <p:txBody>
+          <a:bodyPr rtlCol="0" anchor="ctr"/>
+          <a:lstStyle/>
+          <a:p>
+            <a:pPr algn="ctr"/>
+            <a:endParaRPr lang="es-MX"/>
+          </a:p>
+        </p:txBody>
+      </p:sp>
+      <p:sp>
+        <p:nvSpPr>
+          <p:cNvPr id="36" name="Elipse 35">
+            <a:extLst>
+              <a:ext uri="{FF2B5EF4-FFF2-40B4-BE49-F238E27FC236}">
+                <a16:creationId xmlns:a16="http://schemas.microsoft.com/office/drawing/2014/main" id="{126328FA-ADCA-4E7D-8BEF-F9FA94E31D7F}"/>
+              </a:ext>
+            </a:extLst>
+          </p:cNvPr>
+          <p:cNvSpPr/>
+          <p:nvPr/>
+        </p:nvSpPr>
+        <p:spPr>
+          <a:xfrm>
+            <a:off x="5638216" y="1933497"/>
+            <a:ext cx="253218" cy="250240"/>
+          </a:xfrm>
+          <a:prstGeom prst="ellipse">
+            <a:avLst/>
+          </a:prstGeom>
+          <a:solidFill>
+            <a:schemeClr val="accent6">
+              <a:lumMod val="60000"/>
+              <a:lumOff val="40000"/>
+            </a:schemeClr>
+          </a:solidFill>
+          <a:ln>
+            <a:solidFill>
+              <a:schemeClr val="accent6">
+                <a:lumMod val="75000"/>
+              </a:schemeClr>
+            </a:solidFill>
+          </a:ln>
+        </p:spPr>
+        <p:style>
+          <a:lnRef idx="2">
+            <a:schemeClr val="accent1">
+              <a:shade val="50000"/>
+            </a:schemeClr>
+          </a:lnRef>
+          <a:fillRef idx="1">
+            <a:schemeClr val="accent1"/>
+          </a:fillRef>
+          <a:effectRef idx="0">
+            <a:schemeClr val="accent1"/>
+          </a:effectRef>
+          <a:fontRef idx="minor">
+            <a:schemeClr val="lt1"/>
+          </a:fontRef>
+        </p:style>
+        <p:txBody>
+          <a:bodyPr rtlCol="0" anchor="ctr"/>
+          <a:lstStyle/>
+          <a:p>
+            <a:pPr algn="ctr"/>
+            <a:endParaRPr lang="es-MX"/>
+          </a:p>
+        </p:txBody>
+      </p:sp>
+      <p:sp>
+        <p:nvSpPr>
+          <p:cNvPr id="37" name="Elipse 36">
+            <a:extLst>
+              <a:ext uri="{FF2B5EF4-FFF2-40B4-BE49-F238E27FC236}">
+                <a16:creationId xmlns:a16="http://schemas.microsoft.com/office/drawing/2014/main" id="{B42EEF04-F20E-4CA3-B255-8C12A7769DB8}"/>
+              </a:ext>
+            </a:extLst>
+          </p:cNvPr>
+          <p:cNvSpPr/>
+          <p:nvPr/>
+        </p:nvSpPr>
+        <p:spPr>
+          <a:xfrm>
+            <a:off x="5669058" y="2782224"/>
+            <a:ext cx="253218" cy="250240"/>
+          </a:xfrm>
+          <a:prstGeom prst="ellipse">
+            <a:avLst/>
+          </a:prstGeom>
+          <a:solidFill>
+            <a:srgbClr val="FFCC99"/>
+          </a:solidFill>
+          <a:ln>
+            <a:solidFill>
+              <a:srgbClr val="FFCC99"/>
+            </a:solidFill>
+          </a:ln>
+        </p:spPr>
+        <p:style>
+          <a:lnRef idx="2">
+            <a:schemeClr val="accent1">
+              <a:shade val="50000"/>
+            </a:schemeClr>
+          </a:lnRef>
+          <a:fillRef idx="1">
+            <a:schemeClr val="accent1"/>
+          </a:fillRef>
+          <a:effectRef idx="0">
+            <a:schemeClr val="accent1"/>
+          </a:effectRef>
+          <a:fontRef idx="minor">
+            <a:schemeClr val="lt1"/>
+          </a:fontRef>
+        </p:style>
+        <p:txBody>
+          <a:bodyPr rtlCol="0" anchor="ctr"/>
+          <a:lstStyle/>
+          <a:p>
+            <a:pPr algn="ctr"/>
+            <a:endParaRPr lang="es-MX"/>
+          </a:p>
+        </p:txBody>
+      </p:sp>
+      <p:sp>
+        <p:nvSpPr>
+          <p:cNvPr id="38" name="Elipse 37">
+            <a:extLst>
+              <a:ext uri="{FF2B5EF4-FFF2-40B4-BE49-F238E27FC236}">
+                <a16:creationId xmlns:a16="http://schemas.microsoft.com/office/drawing/2014/main" id="{6143F909-2A0D-4849-908B-2641EB699651}"/>
+              </a:ext>
+            </a:extLst>
+          </p:cNvPr>
+          <p:cNvSpPr/>
+          <p:nvPr/>
+        </p:nvSpPr>
+        <p:spPr>
+          <a:xfrm>
+            <a:off x="5669058" y="3157994"/>
+            <a:ext cx="253218" cy="250240"/>
+          </a:xfrm>
+          <a:prstGeom prst="ellipse">
+            <a:avLst/>
+          </a:prstGeom>
+          <a:solidFill>
+            <a:srgbClr val="00B0F0"/>
+          </a:solidFill>
+          <a:ln>
+            <a:solidFill>
+              <a:srgbClr val="00B0F0"/>
+            </a:solidFill>
+          </a:ln>
+        </p:spPr>
+        <p:style>
+          <a:lnRef idx="2">
+            <a:schemeClr val="accent1">
+              <a:shade val="50000"/>
+            </a:schemeClr>
+          </a:lnRef>
+          <a:fillRef idx="1">
+            <a:schemeClr val="accent1"/>
+          </a:fillRef>
+          <a:effectRef idx="0">
+            <a:schemeClr val="accent1"/>
+          </a:effectRef>
+          <a:fontRef idx="minor">
+            <a:schemeClr val="lt1"/>
+          </a:fontRef>
+        </p:style>
+        <p:txBody>
+          <a:bodyPr rtlCol="0" anchor="ctr"/>
+          <a:lstStyle/>
+          <a:p>
+            <a:pPr algn="ctr"/>
+            <a:endParaRPr lang="es-MX"/>
+          </a:p>
+        </p:txBody>
+      </p:sp>
+      <p:sp>
+        <p:nvSpPr>
+          <p:cNvPr id="39" name="Elipse 38">
+            <a:extLst>
+              <a:ext uri="{FF2B5EF4-FFF2-40B4-BE49-F238E27FC236}">
+                <a16:creationId xmlns:a16="http://schemas.microsoft.com/office/drawing/2014/main" id="{027EEDBC-95A0-4139-9C61-175B3D8A043A}"/>
+              </a:ext>
+            </a:extLst>
+          </p:cNvPr>
+          <p:cNvSpPr/>
+          <p:nvPr/>
+        </p:nvSpPr>
+        <p:spPr>
+          <a:xfrm>
+            <a:off x="5669058" y="3499843"/>
+            <a:ext cx="253218" cy="250240"/>
+          </a:xfrm>
+          <a:prstGeom prst="ellipse">
+            <a:avLst/>
+          </a:prstGeom>
+          <a:solidFill>
+            <a:schemeClr val="accent6">
+              <a:lumMod val="60000"/>
+              <a:lumOff val="40000"/>
+            </a:schemeClr>
+          </a:solidFill>
+          <a:ln>
+            <a:solidFill>
+              <a:schemeClr val="accent6">
+                <a:lumMod val="75000"/>
+              </a:schemeClr>
+            </a:solidFill>
+          </a:ln>
+        </p:spPr>
+        <p:style>
+          <a:lnRef idx="2">
+            <a:schemeClr val="accent1">
+              <a:shade val="50000"/>
+            </a:schemeClr>
+          </a:lnRef>
+          <a:fillRef idx="1">
+            <a:schemeClr val="accent1"/>
+          </a:fillRef>
+          <a:effectRef idx="0">
+            <a:schemeClr val="accent1"/>
+          </a:effectRef>
+          <a:fontRef idx="minor">
+            <a:schemeClr val="lt1"/>
+          </a:fontRef>
+        </p:style>
+        <p:txBody>
+          <a:bodyPr rtlCol="0" anchor="ctr"/>
+          <a:lstStyle/>
+          <a:p>
+            <a:pPr algn="ctr"/>
+            <a:endParaRPr lang="es-MX"/>
+          </a:p>
+        </p:txBody>
+      </p:sp>
+      <p:sp>
+        <p:nvSpPr>
+          <p:cNvPr id="40" name="Elipse 39">
+            <a:extLst>
+              <a:ext uri="{FF2B5EF4-FFF2-40B4-BE49-F238E27FC236}">
+                <a16:creationId xmlns:a16="http://schemas.microsoft.com/office/drawing/2014/main" id="{5652D66B-D5F1-4F8E-A732-7338417D990B}"/>
+              </a:ext>
+            </a:extLst>
+          </p:cNvPr>
+          <p:cNvSpPr/>
+          <p:nvPr/>
+        </p:nvSpPr>
+        <p:spPr>
+          <a:xfrm>
+            <a:off x="5671177" y="3867409"/>
+            <a:ext cx="253218" cy="250240"/>
+          </a:xfrm>
+          <a:prstGeom prst="ellipse">
+            <a:avLst/>
+          </a:prstGeom>
+          <a:solidFill>
+            <a:srgbClr val="A99F95"/>
+          </a:solidFill>
+          <a:ln>
+            <a:solidFill>
+              <a:srgbClr val="A99F95"/>
+            </a:solidFill>
+          </a:ln>
+        </p:spPr>
+        <p:style>
+          <a:lnRef idx="2">
+            <a:schemeClr val="accent1">
+              <a:shade val="50000"/>
+            </a:schemeClr>
+          </a:lnRef>
+          <a:fillRef idx="1">
+            <a:schemeClr val="accent1"/>
+          </a:fillRef>
+          <a:effectRef idx="0">
+            <a:schemeClr val="accent1"/>
+          </a:effectRef>
+          <a:fontRef idx="minor">
+            <a:schemeClr val="lt1"/>
+          </a:fontRef>
+        </p:style>
+        <p:txBody>
+          <a:bodyPr rtlCol="0" anchor="ctr"/>
+          <a:lstStyle/>
+          <a:p>
+            <a:pPr algn="ctr"/>
+            <a:endParaRPr lang="es-MX"/>
+          </a:p>
+        </p:txBody>
+      </p:sp>
+      <p:sp>
+        <p:nvSpPr>
+          <p:cNvPr id="45" name="Elipse 44">
+            <a:extLst>
+              <a:ext uri="{FF2B5EF4-FFF2-40B4-BE49-F238E27FC236}">
+                <a16:creationId xmlns:a16="http://schemas.microsoft.com/office/drawing/2014/main" id="{A3ED14C2-781D-440F-B604-C7AD01E81DB0}"/>
+              </a:ext>
+            </a:extLst>
+          </p:cNvPr>
+          <p:cNvSpPr/>
+          <p:nvPr/>
+        </p:nvSpPr>
+        <p:spPr>
+          <a:xfrm>
+            <a:off x="5652284" y="5028351"/>
+            <a:ext cx="253218" cy="250240"/>
+          </a:xfrm>
+          <a:prstGeom prst="ellipse">
+            <a:avLst/>
+          </a:prstGeom>
+          <a:solidFill>
+            <a:srgbClr val="00B0F0"/>
+          </a:solidFill>
+          <a:ln>
+            <a:solidFill>
+              <a:srgbClr val="00B0F0"/>
+            </a:solidFill>
+          </a:ln>
+        </p:spPr>
+        <p:style>
+          <a:lnRef idx="2">
+            <a:schemeClr val="accent1">
+              <a:shade val="50000"/>
+            </a:schemeClr>
+          </a:lnRef>
+          <a:fillRef idx="1">
+            <a:schemeClr val="accent1"/>
+          </a:fillRef>
+          <a:effectRef idx="0">
+            <a:schemeClr val="accent1"/>
+          </a:effectRef>
+          <a:fontRef idx="minor">
+            <a:schemeClr val="lt1"/>
+          </a:fontRef>
+        </p:style>
+        <p:txBody>
+          <a:bodyPr rtlCol="0" anchor="ctr"/>
+          <a:lstStyle/>
+          <a:p>
+            <a:pPr algn="ctr"/>
+            <a:endParaRPr lang="es-MX"/>
+          </a:p>
+        </p:txBody>
+      </p:sp>
+      <p:sp>
+        <p:nvSpPr>
+          <p:cNvPr id="46" name="Elipse 45">
+            <a:extLst>
+              <a:ext uri="{FF2B5EF4-FFF2-40B4-BE49-F238E27FC236}">
+                <a16:creationId xmlns:a16="http://schemas.microsoft.com/office/drawing/2014/main" id="{2CD1626E-EAFE-4990-A57B-0CC09CEDED12}"/>
+              </a:ext>
+            </a:extLst>
+          </p:cNvPr>
+          <p:cNvSpPr/>
+          <p:nvPr/>
+        </p:nvSpPr>
+        <p:spPr>
+          <a:xfrm>
+            <a:off x="5678206" y="5423016"/>
+            <a:ext cx="253218" cy="250240"/>
+          </a:xfrm>
+          <a:prstGeom prst="ellipse">
+            <a:avLst/>
+          </a:prstGeom>
+          <a:solidFill>
+            <a:schemeClr val="accent6">
+              <a:lumMod val="60000"/>
+              <a:lumOff val="40000"/>
+            </a:schemeClr>
+          </a:solidFill>
+          <a:ln>
+            <a:solidFill>
+              <a:schemeClr val="accent6">
+                <a:lumMod val="75000"/>
+              </a:schemeClr>
+            </a:solidFill>
+          </a:ln>
+        </p:spPr>
+        <p:style>
+          <a:lnRef idx="2">
+            <a:schemeClr val="accent1">
+              <a:shade val="50000"/>
+            </a:schemeClr>
+          </a:lnRef>
+          <a:fillRef idx="1">
+            <a:schemeClr val="accent1"/>
+          </a:fillRef>
+          <a:effectRef idx="0">
+            <a:schemeClr val="accent1"/>
+          </a:effectRef>
+          <a:fontRef idx="minor">
+            <a:schemeClr val="lt1"/>
+          </a:fontRef>
+        </p:style>
+        <p:txBody>
+          <a:bodyPr rtlCol="0" anchor="ctr"/>
+          <a:lstStyle/>
+          <a:p>
+            <a:pPr algn="ctr"/>
+            <a:endParaRPr lang="es-MX"/>
+          </a:p>
+        </p:txBody>
+      </p:sp>
+      <p:sp>
+        <p:nvSpPr>
+          <p:cNvPr id="47" name="Elipse 46">
+            <a:extLst>
+              <a:ext uri="{FF2B5EF4-FFF2-40B4-BE49-F238E27FC236}">
+                <a16:creationId xmlns:a16="http://schemas.microsoft.com/office/drawing/2014/main" id="{414863FB-2612-41B2-BACC-2D141FA05FCC}"/>
+              </a:ext>
+            </a:extLst>
+          </p:cNvPr>
+          <p:cNvSpPr/>
+          <p:nvPr/>
+        </p:nvSpPr>
+        <p:spPr>
+          <a:xfrm>
+            <a:off x="5677984" y="5796961"/>
+            <a:ext cx="253218" cy="250240"/>
+          </a:xfrm>
+          <a:prstGeom prst="ellipse">
+            <a:avLst/>
+          </a:prstGeom>
+          <a:solidFill>
+            <a:srgbClr val="AD5B9D"/>
+          </a:solidFill>
+          <a:ln>
+            <a:solidFill>
+              <a:srgbClr val="AD5B9D"/>
+            </a:solidFill>
+          </a:ln>
+        </p:spPr>
+        <p:style>
+          <a:lnRef idx="2">
+            <a:schemeClr val="accent1">
+              <a:shade val="50000"/>
+            </a:schemeClr>
+          </a:lnRef>
+          <a:fillRef idx="1">
+            <a:schemeClr val="accent1"/>
+          </a:fillRef>
+          <a:effectRef idx="0">
+            <a:schemeClr val="accent1"/>
+          </a:effectRef>
+          <a:fontRef idx="minor">
+            <a:schemeClr val="lt1"/>
+          </a:fontRef>
+        </p:style>
+        <p:txBody>
+          <a:bodyPr rtlCol="0" anchor="ctr"/>
+          <a:lstStyle/>
+          <a:p>
+            <a:pPr algn="ctr"/>
+            <a:endParaRPr lang="es-MX"/>
+          </a:p>
+        </p:txBody>
+      </p:sp>
+    </p:spTree>
+    <p:extLst>
+      <p:ext uri="{BB962C8B-B14F-4D97-AF65-F5344CB8AC3E}">
+        <p14:creationId xmlns:p14="http://schemas.microsoft.com/office/powerpoint/2010/main" val="3795118129"/>
+      </p:ext>
+    </p:extLst>
+  </p:cSld>
+  <p:clrMapOvr>
+    <a:masterClrMapping/>
+  </p:clrMapOvr>
+</p:sld>
+</file>
+
 <file path=ppt/theme/theme1.xml><?xml version="1.0" encoding="utf-8"?>
 <a:theme xmlns:a="http://schemas.openxmlformats.org/drawingml/2006/main" name="Tema de Office">
   <a:themeElements>
